--- a/ppt/07_靜態成員.pptx
+++ b/ppt/07_靜態成員.pptx
@@ -211,7 +211,7 @@
           <a:p>
             <a:fld id="{794480B5-17B7-4BB5-B867-ABCAFFAE6E3E}" type="datetimeFigureOut">
               <a:rPr lang="zh-TW" altLang="en-US" smtClean="0"/>
-              <a:t>2024/9/6</a:t>
+              <a:t>2024/9/12</a:t>
             </a:fld>
             <a:endParaRPr lang="zh-TW" altLang="en-US"/>
           </a:p>

--- a/ppt/07_靜態成員.pptx
+++ b/ppt/07_靜態成員.pptx
@@ -211,7 +211,7 @@
           <a:p>
             <a:fld id="{794480B5-17B7-4BB5-B867-ABCAFFAE6E3E}" type="datetimeFigureOut">
               <a:rPr lang="zh-TW" altLang="en-US" smtClean="0"/>
-              <a:t>2024/9/12</a:t>
+              <a:t>2024/9/20</a:t>
             </a:fld>
             <a:endParaRPr lang="zh-TW" altLang="en-US"/>
           </a:p>
@@ -13968,8 +13968,8 @@
         </p:nvSpPr>
         <p:spPr>
           <a:xfrm>
-            <a:off x="676835" y="922820"/>
-            <a:ext cx="10851776" cy="4171207"/>
+            <a:off x="676835" y="1021433"/>
+            <a:ext cx="10851776" cy="3720898"/>
           </a:xfrm>
         </p:spPr>
         <p:txBody>
@@ -13979,7 +13979,7 @@
           <a:lstStyle/>
           <a:p>
             <a:r>
-              <a:rPr lang="zh-TW" altLang="en-US">
+              <a:rPr lang="zh-TW" altLang="en-US" sz="2400">
                 <a:solidFill>
                   <a:srgbClr val="00B0F0"/>
                 </a:solidFill>
@@ -13987,7 +13987,7 @@
               <a:t>全域變數</a:t>
             </a:r>
             <a:r>
-              <a:rPr lang="en-US" altLang="zh-TW">
+              <a:rPr lang="en-US" altLang="zh-TW" sz="2400">
                 <a:solidFill>
                   <a:srgbClr val="00B0F0"/>
                 </a:solidFill>
@@ -13995,7 +13995,7 @@
               <a:t>(global</a:t>
             </a:r>
             <a:r>
-              <a:rPr lang="zh-TW" altLang="en-US">
+              <a:rPr lang="zh-TW" altLang="en-US" sz="2400">
                 <a:solidFill>
                   <a:srgbClr val="00B0F0"/>
                 </a:solidFill>
@@ -14003,7 +14003,7 @@
               <a:t> </a:t>
             </a:r>
             <a:r>
-              <a:rPr lang="en-US" altLang="zh-TW">
+              <a:rPr lang="en-US" altLang="zh-TW" sz="2400">
                 <a:solidFill>
                   <a:srgbClr val="00B0F0"/>
                 </a:solidFill>
@@ -14011,18 +14011,30 @@
               <a:t>variable)</a:t>
             </a:r>
             <a:r>
-              <a:rPr lang="zh-TW" altLang="en-US"/>
+              <a:rPr lang="zh-TW" altLang="en-US" sz="2400"/>
               <a:t>是指</a:t>
             </a:r>
-            <a:endParaRPr lang="en-US" altLang="zh-TW"/>
+            <a:endParaRPr lang="en-US" altLang="zh-TW" sz="2400"/>
           </a:p>
           <a:p>
             <a:r>
-              <a:rPr lang="zh-TW" altLang="en-US"/>
-              <a:t>在所有作用域都可以</a:t>
-            </a:r>
-            <a:r>
-              <a:rPr lang="zh-TW" altLang="en-US">
+              <a:rPr lang="zh-TW" altLang="en-US" sz="2400"/>
+              <a:t>在所有</a:t>
+            </a:r>
+            <a:r>
+              <a:rPr lang="zh-TW" altLang="en-US" sz="2400">
+                <a:solidFill>
+                  <a:srgbClr val="00B0F0"/>
+                </a:solidFill>
+              </a:rPr>
+              <a:t>作用域</a:t>
+            </a:r>
+            <a:r>
+              <a:rPr lang="zh-TW" altLang="en-US" sz="2400"/>
+              <a:t>都可以</a:t>
+            </a:r>
+            <a:r>
+              <a:rPr lang="zh-TW" altLang="en-US" sz="2400">
                 <a:solidFill>
                   <a:srgbClr val="FFC000"/>
                 </a:solidFill>
@@ -14030,7 +14042,7 @@
               <a:t>存取</a:t>
             </a:r>
             <a:r>
-              <a:rPr lang="en-US" altLang="zh-TW">
+              <a:rPr lang="en-US" altLang="zh-TW" sz="2400">
                 <a:solidFill>
                   <a:srgbClr val="FFC000"/>
                 </a:solidFill>
@@ -14038,7 +14050,7 @@
               <a:t>(</a:t>
             </a:r>
             <a:r>
-              <a:rPr lang="zh-TW" altLang="en-US">
+              <a:rPr lang="zh-TW" altLang="en-US" sz="2400">
                 <a:solidFill>
                   <a:srgbClr val="FFC000"/>
                 </a:solidFill>
@@ -14046,7 +14058,7 @@
               <a:t>訪問，</a:t>
             </a:r>
             <a:r>
-              <a:rPr lang="en-US" altLang="zh-TW">
+              <a:rPr lang="en-US" altLang="zh-TW" sz="2400">
                 <a:solidFill>
                   <a:srgbClr val="FFC000"/>
                 </a:solidFill>
@@ -14054,18 +14066,18 @@
               <a:t>access)</a:t>
             </a:r>
             <a:r>
-              <a:rPr lang="zh-TW" altLang="en-US"/>
+              <a:rPr lang="zh-TW" altLang="en-US" sz="2400"/>
               <a:t>的</a:t>
             </a:r>
             <a:r>
-              <a:rPr lang="zh-TW" altLang="en-US">
+              <a:rPr lang="zh-TW" altLang="en-US" sz="2400">
                 <a:solidFill>
                   <a:srgbClr val="00B0F0"/>
                 </a:solidFill>
               </a:rPr>
               <a:t>變數</a:t>
             </a:r>
-            <a:endParaRPr lang="en-US" altLang="zh-TW">
+            <a:endParaRPr lang="en-US" altLang="zh-TW" sz="2400">
               <a:solidFill>
                 <a:srgbClr val="00B0F0"/>
               </a:solidFill>
@@ -14073,26 +14085,26 @@
           </a:p>
           <a:p>
             <a:r>
-              <a:rPr lang="zh-TW" altLang="en-US"/>
+              <a:rPr lang="zh-TW" altLang="en-US" sz="2400"/>
               <a:t>而同樣的，因為 </a:t>
             </a:r>
             <a:r>
-              <a:rPr lang="en-US" altLang="zh-TW"/>
+              <a:rPr lang="en-US" altLang="zh-TW" sz="2400"/>
               <a:t>Java</a:t>
             </a:r>
             <a:r>
-              <a:rPr lang="zh-TW" altLang="en-US"/>
+              <a:rPr lang="zh-TW" altLang="en-US" sz="2400"/>
               <a:t> 是</a:t>
             </a:r>
             <a:r>
-              <a:rPr lang="zh-TW" altLang="en-US">
+              <a:rPr lang="zh-TW" altLang="en-US" sz="2400">
                 <a:solidFill>
                   <a:srgbClr val="92D050"/>
                 </a:solidFill>
               </a:rPr>
               <a:t>完全物件導向程式語言</a:t>
             </a:r>
-            <a:endParaRPr lang="en-US" altLang="zh-TW">
+            <a:endParaRPr lang="en-US" altLang="zh-TW" sz="2400">
               <a:solidFill>
                 <a:srgbClr val="92D050"/>
               </a:solidFill>
@@ -14100,19 +14112,19 @@
           </a:p>
           <a:p>
             <a:r>
-              <a:rPr lang="zh-TW" altLang="en-US"/>
+              <a:rPr lang="zh-TW" altLang="en-US" sz="2400"/>
               <a:t>所以 </a:t>
             </a:r>
             <a:r>
-              <a:rPr lang="en-US" altLang="zh-TW"/>
+              <a:rPr lang="en-US" altLang="zh-TW" sz="2400"/>
               <a:t>Java </a:t>
             </a:r>
             <a:r>
-              <a:rPr lang="zh-TW" altLang="en-US"/>
+              <a:rPr lang="zh-TW" altLang="en-US" sz="2400"/>
               <a:t>中沒有</a:t>
             </a:r>
             <a:r>
-              <a:rPr lang="zh-TW" altLang="en-US">
+              <a:rPr lang="zh-TW" altLang="en-US" sz="2400">
                 <a:solidFill>
                   <a:srgbClr val="00B0F0"/>
                 </a:solidFill>
@@ -14120,11 +14132,11 @@
               <a:t>全域變數</a:t>
             </a:r>
             <a:r>
-              <a:rPr lang="zh-TW" altLang="en-US"/>
+              <a:rPr lang="zh-TW" altLang="en-US" sz="2400"/>
               <a:t>，但</a:t>
             </a:r>
             <a:r>
-              <a:rPr lang="zh-TW" altLang="en-US">
+              <a:rPr lang="zh-TW" altLang="en-US" sz="2400">
                 <a:solidFill>
                   <a:srgbClr val="00B0F0"/>
                 </a:solidFill>
@@ -14132,7 +14144,7 @@
               <a:t>靜態欄位</a:t>
             </a:r>
             <a:r>
-              <a:rPr lang="en-US" altLang="zh-TW">
+              <a:rPr lang="en-US" altLang="zh-TW" sz="2400">
                 <a:solidFill>
                   <a:srgbClr val="00B0F0"/>
                 </a:solidFill>
@@ -14140,14 +14152,14 @@
               <a:t>(field)</a:t>
             </a:r>
             <a:r>
-              <a:rPr lang="zh-TW" altLang="en-US"/>
+              <a:rPr lang="zh-TW" altLang="en-US" sz="2400"/>
               <a:t>有相同的效果</a:t>
             </a:r>
-            <a:endParaRPr lang="en-US" altLang="zh-TW"/>
+            <a:endParaRPr lang="en-US" altLang="zh-TW" sz="2400"/>
           </a:p>
           <a:p>
             <a:r>
-              <a:rPr lang="zh-TW" altLang="en-US">
+              <a:rPr lang="zh-TW" altLang="en-US" sz="2400">
                 <a:solidFill>
                   <a:srgbClr val="00B0F0"/>
                 </a:solidFill>
@@ -14155,11 +14167,11 @@
               <a:t>欄位</a:t>
             </a:r>
             <a:r>
-              <a:rPr lang="zh-TW" altLang="en-US"/>
+              <a:rPr lang="zh-TW" altLang="en-US" sz="2400"/>
               <a:t>是指</a:t>
             </a:r>
             <a:r>
-              <a:rPr lang="zh-TW" altLang="en-US">
+              <a:rPr lang="zh-TW" altLang="en-US" sz="2400">
                 <a:solidFill>
                   <a:srgbClr val="FFC000"/>
                 </a:solidFill>
@@ -14167,11 +14179,11 @@
               <a:t>定義</a:t>
             </a:r>
             <a:r>
-              <a:rPr lang="zh-TW" altLang="en-US"/>
+              <a:rPr lang="zh-TW" altLang="en-US" sz="2400"/>
               <a:t>在</a:t>
             </a:r>
             <a:r>
-              <a:rPr lang="zh-TW" altLang="en-US">
+              <a:rPr lang="zh-TW" altLang="en-US" sz="2400">
                 <a:solidFill>
                   <a:srgbClr val="00B0F0"/>
                 </a:solidFill>
@@ -14179,11 +14191,11 @@
               <a:t>類別</a:t>
             </a:r>
             <a:r>
-              <a:rPr lang="zh-TW" altLang="en-US"/>
+              <a:rPr lang="zh-TW" altLang="en-US" sz="2400"/>
               <a:t>中的</a:t>
             </a:r>
             <a:r>
-              <a:rPr lang="zh-TW" altLang="en-US">
+              <a:rPr lang="zh-TW" altLang="en-US" sz="2400">
                 <a:solidFill>
                   <a:srgbClr val="00B0F0"/>
                 </a:solidFill>
@@ -14191,11 +14203,11 @@
               <a:t>變數</a:t>
             </a:r>
             <a:r>
-              <a:rPr lang="zh-TW" altLang="en-US"/>
+              <a:rPr lang="zh-TW" altLang="en-US" sz="2400"/>
               <a:t>，</a:t>
             </a:r>
             <a:r>
-              <a:rPr lang="zh-TW" altLang="en-US">
+              <a:rPr lang="zh-TW" altLang="en-US" sz="2400">
                 <a:solidFill>
                   <a:srgbClr val="FFC000"/>
                 </a:solidFill>
@@ -14203,11 +14215,11 @@
               <a:t>宣告</a:t>
             </a:r>
             <a:r>
-              <a:rPr lang="zh-TW" altLang="en-US"/>
+              <a:rPr lang="zh-TW" altLang="en-US" sz="2400"/>
               <a:t>方式與</a:t>
             </a:r>
             <a:r>
-              <a:rPr lang="zh-TW" altLang="en-US">
+              <a:rPr lang="zh-TW" altLang="en-US" sz="2400">
                 <a:solidFill>
                   <a:srgbClr val="00B0F0"/>
                 </a:solidFill>
@@ -14215,18 +14227,18 @@
               <a:t>變數</a:t>
             </a:r>
             <a:r>
-              <a:rPr lang="zh-TW" altLang="en-US"/>
+              <a:rPr lang="zh-TW" altLang="en-US" sz="2400"/>
               <a:t>一模一樣</a:t>
             </a:r>
-            <a:endParaRPr lang="en-US" altLang="zh-TW"/>
+            <a:endParaRPr lang="en-US" altLang="zh-TW" sz="2400"/>
           </a:p>
           <a:p>
             <a:r>
-              <a:rPr lang="zh-TW" altLang="en-US"/>
+              <a:rPr lang="zh-TW" altLang="en-US" sz="2400"/>
               <a:t>也可以加上 </a:t>
             </a:r>
             <a:r>
-              <a:rPr lang="en-US" altLang="zh-TW">
+              <a:rPr lang="en-US" altLang="zh-TW" sz="2400">
                 <a:solidFill>
                   <a:srgbClr val="CF8E6D"/>
                 </a:solidFill>
@@ -14234,11 +14246,11 @@
               <a:t>final</a:t>
             </a:r>
             <a:r>
-              <a:rPr lang="zh-TW" altLang="en-US"/>
+              <a:rPr lang="zh-TW" altLang="en-US" sz="2400"/>
               <a:t>，而</a:t>
             </a:r>
             <a:r>
-              <a:rPr lang="zh-TW" altLang="en-US">
+              <a:rPr lang="zh-TW" altLang="en-US" sz="2400">
                 <a:solidFill>
                   <a:srgbClr val="00B0F0"/>
                 </a:solidFill>
@@ -14246,11 +14258,11 @@
               <a:t>欄位</a:t>
             </a:r>
             <a:r>
-              <a:rPr lang="zh-TW" altLang="en-US"/>
+              <a:rPr lang="zh-TW" altLang="en-US" sz="2400"/>
               <a:t>還可以加上</a:t>
             </a:r>
             <a:r>
-              <a:rPr lang="zh-TW" altLang="en-US">
+              <a:rPr lang="zh-TW" altLang="en-US" sz="2400">
                 <a:solidFill>
                   <a:srgbClr val="00B0F0"/>
                 </a:solidFill>
@@ -14258,11 +14270,11 @@
               <a:t>存取修飾子</a:t>
             </a:r>
             <a:r>
-              <a:rPr lang="zh-TW" altLang="en-US"/>
+              <a:rPr lang="zh-TW" altLang="en-US" sz="2400"/>
               <a:t>和</a:t>
             </a:r>
             <a:r>
-              <a:rPr lang="zh-TW" altLang="en-US">
+              <a:rPr lang="zh-TW" altLang="en-US" sz="2400">
                 <a:solidFill>
                   <a:srgbClr val="00B0F0"/>
                 </a:solidFill>
@@ -14270,7 +14282,7 @@
               <a:t> </a:t>
             </a:r>
             <a:r>
-              <a:rPr lang="en-US" altLang="zh-TW">
+              <a:rPr lang="en-US" altLang="zh-TW" sz="2400">
                 <a:solidFill>
                   <a:srgbClr val="CF8E6D"/>
                 </a:solidFill>
@@ -14280,7 +14292,7 @@
           </a:p>
           <a:p>
             <a:r>
-              <a:rPr lang="zh-TW" altLang="en-US">
+              <a:rPr lang="zh-TW" altLang="en-US" sz="2400">
                 <a:solidFill>
                   <a:srgbClr val="00B0F0"/>
                 </a:solidFill>
@@ -14288,11 +14300,11 @@
               <a:t>欄位</a:t>
             </a:r>
             <a:r>
-              <a:rPr lang="zh-TW" altLang="en-US"/>
+              <a:rPr lang="zh-TW" altLang="en-US" sz="2400"/>
               <a:t>與</a:t>
             </a:r>
             <a:r>
-              <a:rPr lang="zh-TW" altLang="en-US">
+              <a:rPr lang="zh-TW" altLang="en-US" sz="2400">
                 <a:solidFill>
                   <a:srgbClr val="00B0F0"/>
                 </a:solidFill>
@@ -14300,11 +14312,11 @@
               <a:t>方法</a:t>
             </a:r>
             <a:r>
-              <a:rPr lang="zh-TW" altLang="en-US"/>
+              <a:rPr lang="zh-TW" altLang="en-US" sz="2400"/>
               <a:t>合稱為</a:t>
             </a:r>
             <a:r>
-              <a:rPr lang="zh-TW" altLang="en-US">
+              <a:rPr lang="zh-TW" altLang="en-US" sz="2400">
                 <a:solidFill>
                   <a:srgbClr val="00B0F0"/>
                 </a:solidFill>
@@ -14312,14 +14324,14 @@
               <a:t>成員</a:t>
             </a:r>
             <a:r>
-              <a:rPr lang="en-US" altLang="zh-TW">
+              <a:rPr lang="en-US" altLang="zh-TW" sz="2400">
                 <a:solidFill>
                   <a:srgbClr val="00B0F0"/>
                 </a:solidFill>
               </a:rPr>
               <a:t>(member)</a:t>
             </a:r>
-            <a:endParaRPr lang="en-US" altLang="zh-TW">
+            <a:endParaRPr lang="en-US" altLang="zh-TW" sz="2400">
               <a:solidFill>
                 <a:srgbClr val="CF8E6D"/>
               </a:solidFill>
@@ -14327,13 +14339,13 @@
           </a:p>
           <a:p>
             <a:r>
-              <a:rPr lang="zh-TW" altLang="en-US">
+              <a:rPr lang="zh-TW" altLang="en-US" sz="2400">
                 <a:latin typeface="+mj-lt"/>
               </a:rPr>
               <a:t>本次只會介紹無</a:t>
             </a:r>
             <a:r>
-              <a:rPr lang="zh-TW" altLang="en-US">
+              <a:rPr lang="zh-TW" altLang="en-US" sz="2400">
                 <a:solidFill>
                   <a:srgbClr val="00B0F0"/>
                 </a:solidFill>
@@ -14342,13 +14354,13 @@
               <a:t>存取修飾子</a:t>
             </a:r>
             <a:r>
-              <a:rPr lang="zh-TW" altLang="en-US">
+              <a:rPr lang="zh-TW" altLang="en-US" sz="2400">
                 <a:latin typeface="+mj-lt"/>
               </a:rPr>
               <a:t>的</a:t>
             </a:r>
             <a:r>
-              <a:rPr lang="zh-TW" altLang="en-US">
+              <a:rPr lang="zh-TW" altLang="en-US" sz="2400">
                 <a:solidFill>
                   <a:srgbClr val="00B0F0"/>
                 </a:solidFill>
@@ -14356,7 +14368,7 @@
               </a:rPr>
               <a:t>靜態欄位</a:t>
             </a:r>
-            <a:endParaRPr lang="en-US" altLang="zh-TW">
+            <a:endParaRPr lang="en-US" altLang="zh-TW" sz="2400">
               <a:solidFill>
                 <a:srgbClr val="00B0F0"/>
               </a:solidFill>
@@ -14379,7 +14391,7 @@
         </p:nvGrpSpPr>
         <p:grpSpPr>
           <a:xfrm>
-            <a:off x="5934633" y="4953890"/>
+            <a:off x="5934633" y="4742331"/>
             <a:ext cx="5593978" cy="1573730"/>
             <a:chOff x="6095998" y="4541514"/>
             <a:chExt cx="5593978" cy="1573730"/>
@@ -15009,7 +15021,7 @@
         </p:nvGrpSpPr>
         <p:grpSpPr>
           <a:xfrm>
-            <a:off x="676836" y="4953890"/>
+            <a:off x="676836" y="4742331"/>
             <a:ext cx="5186081" cy="1573731"/>
             <a:chOff x="4787154" y="4541514"/>
             <a:chExt cx="5186081" cy="1573731"/>

--- a/ppt/07_靜態成員.pptx
+++ b/ppt/07_靜態成員.pptx
@@ -211,7 +211,7 @@
           <a:p>
             <a:fld id="{794480B5-17B7-4BB5-B867-ABCAFFAE6E3E}" type="datetimeFigureOut">
               <a:rPr lang="zh-TW" altLang="en-US" smtClean="0"/>
-              <a:t>2024/9/20</a:t>
+              <a:t>2024/11/10</a:t>
             </a:fld>
             <a:endParaRPr lang="zh-TW" altLang="en-US"/>
           </a:p>
@@ -13968,7 +13968,7 @@
         </p:nvSpPr>
         <p:spPr>
           <a:xfrm>
-            <a:off x="676835" y="1021433"/>
+            <a:off x="676835" y="1111080"/>
             <a:ext cx="10851776" cy="3720898"/>
           </a:xfrm>
         </p:spPr>
@@ -14228,9 +14228,16 @@
             </a:r>
             <a:r>
               <a:rPr lang="zh-TW" altLang="en-US" sz="2400"/>
-              <a:t>一模一樣</a:t>
-            </a:r>
-            <a:endParaRPr lang="en-US" altLang="zh-TW" sz="2400"/>
+              <a:t>一模一樣，但不可使用 </a:t>
+            </a:r>
+            <a:r>
+              <a:rPr lang="en-US" altLang="zh-TW" sz="2400">
+                <a:solidFill>
+                  <a:srgbClr val="CF8E6D"/>
+                </a:solidFill>
+              </a:rPr>
+              <a:t>var</a:t>
+            </a:r>
           </a:p>
           <a:p>
             <a:r>
@@ -14391,7 +14398,7 @@
         </p:nvGrpSpPr>
         <p:grpSpPr>
           <a:xfrm>
-            <a:off x="5934633" y="4742331"/>
+            <a:off x="5934633" y="4831978"/>
             <a:ext cx="5593978" cy="1573730"/>
             <a:chOff x="6095998" y="4541514"/>
             <a:chExt cx="5593978" cy="1573730"/>
@@ -15021,7 +15028,7 @@
         </p:nvGrpSpPr>
         <p:grpSpPr>
           <a:xfrm>
-            <a:off x="676836" y="4742331"/>
+            <a:off x="676836" y="4831978"/>
             <a:ext cx="5186081" cy="1573731"/>
             <a:chOff x="4787154" y="4541514"/>
             <a:chExt cx="5186081" cy="1573731"/>

--- a/ppt/07_靜態成員.pptx
+++ b/ppt/07_靜態成員.pptx
@@ -2,7 +2,7 @@
 <file path=ppt/presentation.xml><?xml version="1.0" encoding="utf-8"?>
 <p:presentation xmlns:a="http://schemas.openxmlformats.org/drawingml/2006/main" xmlns:r="http://schemas.openxmlformats.org/officeDocument/2006/relationships" xmlns:p="http://schemas.openxmlformats.org/presentationml/2006/main" saveSubsetFonts="1">
   <p:sldMasterIdLst>
-    <p:sldMasterId id="2147483673" r:id="rId1"/>
+    <p:sldMasterId id="2147483678" r:id="rId1"/>
   </p:sldMasterIdLst>
   <p:notesMasterIdLst>
     <p:notesMasterId r:id="rId14"/>
@@ -208,7 +208,7 @@
           <a:p>
             <a:fld id="{794480B5-17B7-4BB5-B867-ABCAFFAE6E3E}" type="datetimeFigureOut">
               <a:rPr lang="zh-TW" altLang="en-US" smtClean="0"/>
-              <a:t>2024/12/8</a:t>
+              <a:t>2025/2/11</a:t>
             </a:fld>
             <a:endParaRPr lang="zh-TW" altLang="en-US"/>
           </a:p>
@@ -770,7 +770,7 @@
     </p:spTree>
     <p:extLst>
       <p:ext uri="{BB962C8B-B14F-4D97-AF65-F5344CB8AC3E}">
-        <p14:creationId xmlns:p14="http://schemas.microsoft.com/office/powerpoint/2010/main" val="1657759815"/>
+        <p14:creationId xmlns:p14="http://schemas.microsoft.com/office/powerpoint/2010/main" val="3877255715"/>
       </p:ext>
     </p:extLst>
   </p:cSld>
@@ -1154,7 +1154,7 @@
     </p:spTree>
     <p:extLst>
       <p:ext uri="{BB962C8B-B14F-4D97-AF65-F5344CB8AC3E}">
-        <p14:creationId xmlns:p14="http://schemas.microsoft.com/office/powerpoint/2010/main" val="2655960807"/>
+        <p14:creationId xmlns:p14="http://schemas.microsoft.com/office/powerpoint/2010/main" val="1889151142"/>
       </p:ext>
     </p:extLst>
   </p:cSld>
@@ -1481,7 +1481,7 @@
     </p:spTree>
     <p:extLst>
       <p:ext uri="{BB962C8B-B14F-4D97-AF65-F5344CB8AC3E}">
-        <p14:creationId xmlns:p14="http://schemas.microsoft.com/office/powerpoint/2010/main" val="2632564257"/>
+        <p14:creationId xmlns:p14="http://schemas.microsoft.com/office/powerpoint/2010/main" val="2727705884"/>
       </p:ext>
     </p:extLst>
   </p:cSld>
@@ -1780,7 +1780,7 @@
     </p:spTree>
     <p:extLst>
       <p:ext uri="{BB962C8B-B14F-4D97-AF65-F5344CB8AC3E}">
-        <p14:creationId xmlns:p14="http://schemas.microsoft.com/office/powerpoint/2010/main" val="3876866989"/>
+        <p14:creationId xmlns:p14="http://schemas.microsoft.com/office/powerpoint/2010/main" val="440056497"/>
       </p:ext>
     </p:extLst>
   </p:cSld>
@@ -2013,16 +2013,16 @@
     </p:spTree>
     <p:extLst>
       <p:ext uri="{BB962C8B-B14F-4D97-AF65-F5344CB8AC3E}">
-        <p14:creationId xmlns:p14="http://schemas.microsoft.com/office/powerpoint/2010/main" val="761173151"/>
+        <p14:creationId xmlns:p14="http://schemas.microsoft.com/office/powerpoint/2010/main" val="2241281851"/>
       </p:ext>
     </p:extLst>
   </p:cSld>
   <p:clrMap bg1="dk1" tx1="lt1" bg2="dk2" tx2="lt2" accent1="accent1" accent2="accent2" accent3="accent3" accent4="accent4" accent5="accent5" accent6="accent6" hlink="hlink" folHlink="folHlink"/>
   <p:sldLayoutIdLst>
-    <p:sldLayoutId id="2147483674" r:id="rId1"/>
-    <p:sldLayoutId id="2147483675" r:id="rId2"/>
-    <p:sldLayoutId id="2147483676" r:id="rId3"/>
-    <p:sldLayoutId id="2147483677" r:id="rId4"/>
+    <p:sldLayoutId id="2147483679" r:id="rId1"/>
+    <p:sldLayoutId id="2147483680" r:id="rId2"/>
+    <p:sldLayoutId id="2147483681" r:id="rId3"/>
+    <p:sldLayoutId id="2147483682" r:id="rId4"/>
   </p:sldLayoutIdLst>
   <p:transition spd="slow">
     <p:push dir="u"/>
@@ -27562,7 +27562,7 @@
   <a:extraClrSchemeLst/>
   <a:extLst>
     <a:ext uri="{05A4C25C-085E-4340-85A3-A5531E510DB2}">
-      <thm15:themeFamily xmlns:thm15="http://schemas.microsoft.com/office/thememl/2012/main" name="TYIC" id="{1CBE48E2-41FD-4EDA-8801-606A138B7FC3}" vid="{F6EAACDE-0833-4468-B256-0551E0034979}"/>
+      <thm15:themeFamily xmlns:thm15="http://schemas.microsoft.com/office/thememl/2012/main" name="TYIC" id="{F8B8016E-470C-4FE5-A78C-33B2A9D17434}" vid="{BC6C4CDA-A093-4978-B969-B6482D48D481}"/>
     </a:ext>
   </a:extLst>
 </a:theme>

--- a/ppt/07_靜態成員.pptx
+++ b/ppt/07_靜態成員.pptx
@@ -2,7 +2,7 @@
 <file path=ppt/presentation.xml><?xml version="1.0" encoding="utf-8"?>
 <p:presentation xmlns:a="http://schemas.openxmlformats.org/drawingml/2006/main" xmlns:r="http://schemas.openxmlformats.org/officeDocument/2006/relationships" xmlns:p="http://schemas.openxmlformats.org/presentationml/2006/main" saveSubsetFonts="1">
   <p:sldMasterIdLst>
-    <p:sldMasterId id="2147483678" r:id="rId1"/>
+    <p:sldMasterId id="2147483683" r:id="rId1"/>
   </p:sldMasterIdLst>
   <p:notesMasterIdLst>
     <p:notesMasterId r:id="rId14"/>
@@ -208,7 +208,7 @@
           <a:p>
             <a:fld id="{794480B5-17B7-4BB5-B867-ABCAFFAE6E3E}" type="datetimeFigureOut">
               <a:rPr lang="zh-TW" altLang="en-US" smtClean="0"/>
-              <a:t>2025/2/11</a:t>
+              <a:t>2025/2/28</a:t>
             </a:fld>
             <a:endParaRPr lang="zh-TW" altLang="en-US"/>
           </a:p>
@@ -770,14 +770,14 @@
     </p:spTree>
     <p:extLst>
       <p:ext uri="{BB962C8B-B14F-4D97-AF65-F5344CB8AC3E}">
-        <p14:creationId xmlns:p14="http://schemas.microsoft.com/office/powerpoint/2010/main" val="3877255715"/>
+        <p14:creationId xmlns:p14="http://schemas.microsoft.com/office/powerpoint/2010/main" val="1758918525"/>
       </p:ext>
     </p:extLst>
   </p:cSld>
   <p:clrMapOvr>
     <a:masterClrMapping/>
   </p:clrMapOvr>
-  <p:transition spd="slow">
+  <p:transition>
     <p:push dir="u"/>
   </p:transition>
 </p:sldLayout>
@@ -1154,14 +1154,14 @@
     </p:spTree>
     <p:extLst>
       <p:ext uri="{BB962C8B-B14F-4D97-AF65-F5344CB8AC3E}">
-        <p14:creationId xmlns:p14="http://schemas.microsoft.com/office/powerpoint/2010/main" val="1889151142"/>
+        <p14:creationId xmlns:p14="http://schemas.microsoft.com/office/powerpoint/2010/main" val="392298666"/>
       </p:ext>
     </p:extLst>
   </p:cSld>
   <p:clrMapOvr>
     <a:masterClrMapping/>
   </p:clrMapOvr>
-  <p:transition spd="slow">
+  <p:transition>
     <p:push dir="u"/>
   </p:transition>
 </p:sldLayout>
@@ -1481,14 +1481,14 @@
     </p:spTree>
     <p:extLst>
       <p:ext uri="{BB962C8B-B14F-4D97-AF65-F5344CB8AC3E}">
-        <p14:creationId xmlns:p14="http://schemas.microsoft.com/office/powerpoint/2010/main" val="2727705884"/>
+        <p14:creationId xmlns:p14="http://schemas.microsoft.com/office/powerpoint/2010/main" val="4117191325"/>
       </p:ext>
     </p:extLst>
   </p:cSld>
   <p:clrMapOvr>
     <a:masterClrMapping/>
   </p:clrMapOvr>
-  <p:transition spd="slow">
+  <p:transition>
     <p:push dir="u"/>
   </p:transition>
 </p:sldLayout>
@@ -1780,14 +1780,14 @@
     </p:spTree>
     <p:extLst>
       <p:ext uri="{BB962C8B-B14F-4D97-AF65-F5344CB8AC3E}">
-        <p14:creationId xmlns:p14="http://schemas.microsoft.com/office/powerpoint/2010/main" val="440056497"/>
+        <p14:creationId xmlns:p14="http://schemas.microsoft.com/office/powerpoint/2010/main" val="3540160465"/>
       </p:ext>
     </p:extLst>
   </p:cSld>
   <p:clrMapOvr>
     <a:masterClrMapping/>
   </p:clrMapOvr>
-  <p:transition spd="slow">
+  <p:transition>
     <p:push dir="u"/>
   </p:transition>
 </p:sldLayout>
@@ -2013,18 +2013,18 @@
     </p:spTree>
     <p:extLst>
       <p:ext uri="{BB962C8B-B14F-4D97-AF65-F5344CB8AC3E}">
-        <p14:creationId xmlns:p14="http://schemas.microsoft.com/office/powerpoint/2010/main" val="2241281851"/>
+        <p14:creationId xmlns:p14="http://schemas.microsoft.com/office/powerpoint/2010/main" val="3555672090"/>
       </p:ext>
     </p:extLst>
   </p:cSld>
   <p:clrMap bg1="dk1" tx1="lt1" bg2="dk2" tx2="lt2" accent1="accent1" accent2="accent2" accent3="accent3" accent4="accent4" accent5="accent5" accent6="accent6" hlink="hlink" folHlink="folHlink"/>
   <p:sldLayoutIdLst>
-    <p:sldLayoutId id="2147483679" r:id="rId1"/>
-    <p:sldLayoutId id="2147483680" r:id="rId2"/>
-    <p:sldLayoutId id="2147483681" r:id="rId3"/>
-    <p:sldLayoutId id="2147483682" r:id="rId4"/>
+    <p:sldLayoutId id="2147483684" r:id="rId1"/>
+    <p:sldLayoutId id="2147483685" r:id="rId2"/>
+    <p:sldLayoutId id="2147483686" r:id="rId3"/>
+    <p:sldLayoutId id="2147483687" r:id="rId4"/>
   </p:sldLayoutIdLst>
-  <p:transition spd="slow">
+  <p:transition>
     <p:push dir="u"/>
   </p:transition>
   <p:txStyles>
@@ -2397,7 +2397,7 @@
   <p:clrMapOvr>
     <a:masterClrMapping/>
   </p:clrMapOvr>
-  <p:transition spd="slow">
+  <p:transition>
     <p:push dir="u"/>
   </p:transition>
 </p:sld>
@@ -3559,7 +3559,7 @@
   <p:clrMapOvr>
     <a:masterClrMapping/>
   </p:clrMapOvr>
-  <p:transition spd="slow">
+  <p:transition>
     <p:push dir="u"/>
   </p:transition>
 </p:sld>
@@ -5297,7 +5297,7 @@
   <p:clrMapOvr>
     <a:masterClrMapping/>
   </p:clrMapOvr>
-  <p:transition spd="slow">
+  <p:transition>
     <p:push dir="u"/>
   </p:transition>
 </p:sld>
@@ -8408,7 +8408,7 @@
   <p:clrMapOvr>
     <a:masterClrMapping/>
   </p:clrMapOvr>
-  <p:transition spd="slow">
+  <p:transition>
     <p:push dir="u"/>
   </p:transition>
 </p:sld>
@@ -8835,7 +8835,7 @@
   <p:clrMapOvr>
     <a:masterClrMapping/>
   </p:clrMapOvr>
-  <p:transition spd="slow">
+  <p:transition>
     <p:push dir="u"/>
   </p:transition>
 </p:sld>
@@ -10600,7 +10600,7 @@
   <p:clrMapOvr>
     <a:masterClrMapping/>
   </p:clrMapOvr>
-  <p:transition spd="slow">
+  <p:transition>
     <p:push dir="u"/>
   </p:transition>
 </p:sld>
@@ -11179,7 +11179,7 @@
   <p:clrMapOvr>
     <a:masterClrMapping/>
   </p:clrMapOvr>
-  <p:transition spd="slow">
+  <p:transition>
     <p:push dir="u"/>
   </p:transition>
 </p:sld>
@@ -13749,7 +13749,7 @@
   <p:clrMapOvr>
     <a:masterClrMapping/>
   </p:clrMapOvr>
-  <p:transition spd="slow">
+  <p:transition>
     <p:push dir="u"/>
   </p:transition>
   <p:timing>
@@ -16697,7 +16697,7 @@
   <p:clrMapOvr>
     <a:masterClrMapping/>
   </p:clrMapOvr>
-  <p:transition spd="slow">
+  <p:transition>
     <p:push dir="u"/>
   </p:transition>
   <p:timing>
@@ -17794,7 +17794,7 @@
   <p:clrMapOvr>
     <a:masterClrMapping/>
   </p:clrMapOvr>
-  <p:transition spd="slow">
+  <p:transition>
     <p:push dir="u"/>
   </p:transition>
 </p:sld>
@@ -22129,7 +22129,7 @@
   <p:clrMapOvr>
     <a:masterClrMapping/>
   </p:clrMapOvr>
-  <p:transition spd="slow">
+  <p:transition>
     <p:push dir="u"/>
   </p:transition>
   <p:timing>
@@ -27562,7 +27562,7 @@
   <a:extraClrSchemeLst/>
   <a:extLst>
     <a:ext uri="{05A4C25C-085E-4340-85A3-A5531E510DB2}">
-      <thm15:themeFamily xmlns:thm15="http://schemas.microsoft.com/office/thememl/2012/main" name="TYIC" id="{F8B8016E-470C-4FE5-A78C-33B2A9D17434}" vid="{BC6C4CDA-A093-4978-B969-B6482D48D481}"/>
+      <thm15:themeFamily xmlns:thm15="http://schemas.microsoft.com/office/thememl/2012/main" name="TYIC" id="{5F22F33A-EA50-4F22-9F2C-8A64A179567F}" vid="{3247D5A2-1B78-4AF4-9AA5-9AF4332DE771}"/>
     </a:ext>
   </a:extLst>
 </a:theme>

--- a/ppt/07_靜態成員.pptx
+++ b/ppt/07_靜態成員.pptx
@@ -208,7 +208,7 @@
           <a:p>
             <a:fld id="{794480B5-17B7-4BB5-B867-ABCAFFAE6E3E}" type="datetimeFigureOut">
               <a:rPr lang="zh-TW" altLang="en-US" smtClean="0"/>
-              <a:t>2025/2/28</a:t>
+              <a:t>2025/3/13</a:t>
             </a:fld>
             <a:endParaRPr lang="zh-TW" altLang="en-US"/>
           </a:p>
@@ -5581,7 +5581,7 @@
         </p:nvGrpSpPr>
         <p:grpSpPr>
           <a:xfrm>
-            <a:off x="520139" y="4155785"/>
+            <a:off x="520139" y="4093031"/>
             <a:ext cx="5014024" cy="2308324"/>
             <a:chOff x="362812" y="2523070"/>
             <a:chExt cx="5014024" cy="2308324"/>
@@ -8449,7 +8449,7 @@
         </p:nvSpPr>
         <p:spPr>
           <a:xfrm>
-            <a:off x="838200" y="10178"/>
+            <a:off x="838200" y="365125"/>
             <a:ext cx="10515600" cy="1325563"/>
           </a:xfrm>
         </p:spPr>
@@ -8466,10 +8466,10 @@
       </p:sp>
       <p:sp>
         <p:nvSpPr>
-          <p:cNvPr id="3" name="內容版面配置區 2">
+          <p:cNvPr id="5" name="內容版面配置區 4">
             <a:extLst>
               <a:ext uri="{FF2B5EF4-FFF2-40B4-BE49-F238E27FC236}">
-                <a16:creationId xmlns:a16="http://schemas.microsoft.com/office/drawing/2014/main" id="{A746AB2F-1B44-4072-8C5E-3EA8FCBC4217}"/>
+                <a16:creationId xmlns:a16="http://schemas.microsoft.com/office/drawing/2014/main" id="{8F72B09A-D4A3-4C0B-B7BE-4F1FBDCB68D8}"/>
               </a:ext>
             </a:extLst>
           </p:cNvPr>
@@ -8482,8 +8482,8 @@
         </p:nvSpPr>
         <p:spPr>
           <a:xfrm>
-            <a:off x="618565" y="1165412"/>
-            <a:ext cx="10954870" cy="5220890"/>
+            <a:off x="838200" y="1654828"/>
+            <a:ext cx="10515600" cy="4621212"/>
           </a:xfrm>
         </p:spPr>
         <p:txBody>
@@ -8705,14 +8705,7 @@
             </a:r>
             <a:r>
               <a:rPr lang="zh-TW" altLang="en-US"/>
-              <a:t>中</a:t>
-            </a:r>
-            <a:endParaRPr lang="en-US" altLang="zh-TW"/>
-          </a:p>
-          <a:p>
-            <a:r>
-              <a:rPr lang="zh-TW" altLang="en-US"/>
-              <a:t>則稱為</a:t>
+              <a:t>中，則稱為</a:t>
             </a:r>
             <a:r>
               <a:rPr lang="zh-TW" altLang="en-US">
@@ -10669,7 +10662,7 @@
         </p:nvSpPr>
         <p:spPr>
           <a:xfrm>
-            <a:off x="838200" y="1825625"/>
+            <a:off x="838200" y="1897343"/>
             <a:ext cx="10515600" cy="1022920"/>
           </a:xfrm>
         </p:spPr>
@@ -10727,7 +10720,7 @@
         </p:nvSpPr>
         <p:spPr>
           <a:xfrm>
-            <a:off x="838198" y="3641639"/>
+            <a:off x="838198" y="3713357"/>
             <a:ext cx="10515600" cy="2172452"/>
           </a:xfrm>
           <a:prstGeom prst="rect">
@@ -10986,7 +10979,7 @@
         </p:nvGrpSpPr>
         <p:grpSpPr>
           <a:xfrm>
-            <a:off x="838199" y="2983482"/>
+            <a:off x="838199" y="3055200"/>
             <a:ext cx="10515599" cy="523220"/>
             <a:chOff x="838199" y="2848545"/>
             <a:chExt cx="10515599" cy="523220"/>
@@ -22751,7 +22744,7 @@
         </p:nvGrpSpPr>
         <p:grpSpPr>
           <a:xfrm>
-            <a:off x="411622" y="1165293"/>
+            <a:off x="411622" y="1066681"/>
             <a:ext cx="5453922" cy="4527414"/>
             <a:chOff x="107577" y="1498828"/>
             <a:chExt cx="5453922" cy="4527414"/>
@@ -24387,7 +24380,7 @@
         </p:nvSpPr>
         <p:spPr>
           <a:xfrm>
-            <a:off x="1818794" y="2881489"/>
+            <a:off x="1818794" y="2782877"/>
             <a:ext cx="2989671" cy="1097419"/>
           </a:xfrm>
           <a:prstGeom prst="roundRect">
@@ -24441,7 +24434,7 @@
         </p:nvGrpSpPr>
         <p:grpSpPr>
           <a:xfrm>
-            <a:off x="6228857" y="1165293"/>
+            <a:off x="6228857" y="1066681"/>
             <a:ext cx="5551521" cy="5262979"/>
             <a:chOff x="6532903" y="914052"/>
             <a:chExt cx="5551521" cy="5262979"/>
@@ -26176,7 +26169,7 @@
         </p:nvSpPr>
         <p:spPr>
           <a:xfrm>
-            <a:off x="7068929" y="2739302"/>
+            <a:off x="7068929" y="2640690"/>
             <a:ext cx="3706647" cy="181252"/>
           </a:xfrm>
           <a:prstGeom prst="roundRect">
@@ -26230,7 +26223,7 @@
         </p:nvSpPr>
         <p:spPr>
           <a:xfrm>
-            <a:off x="1096145" y="2522009"/>
+            <a:off x="1096145" y="2423397"/>
             <a:ext cx="4679060" cy="2745156"/>
           </a:xfrm>
           <a:prstGeom prst="roundRect">
@@ -26284,7 +26277,7 @@
         </p:nvSpPr>
         <p:spPr>
           <a:xfrm>
-            <a:off x="6688863" y="4894508"/>
+            <a:off x="6688863" y="4795896"/>
             <a:ext cx="4304366" cy="1259123"/>
           </a:xfrm>
           <a:prstGeom prst="roundRect">
@@ -26338,7 +26331,7 @@
         </p:nvSpPr>
         <p:spPr>
           <a:xfrm>
-            <a:off x="1812805" y="4000100"/>
+            <a:off x="1812805" y="3901488"/>
             <a:ext cx="3909061" cy="917321"/>
           </a:xfrm>
           <a:prstGeom prst="roundRect">
@@ -26392,7 +26385,7 @@
         </p:nvSpPr>
         <p:spPr>
           <a:xfrm>
-            <a:off x="7068929" y="2939169"/>
+            <a:off x="7068929" y="2840557"/>
             <a:ext cx="4603118" cy="1514157"/>
           </a:xfrm>
           <a:prstGeom prst="roundRect">
@@ -26446,7 +26439,7 @@
         </p:nvSpPr>
         <p:spPr>
           <a:xfrm>
-            <a:off x="7894445" y="3168575"/>
+            <a:off x="7894445" y="3069963"/>
             <a:ext cx="968568" cy="202015"/>
           </a:xfrm>
           <a:prstGeom prst="roundRect">
@@ -26504,7 +26497,7 @@
         </p:nvCxnSpPr>
         <p:spPr>
           <a:xfrm flipV="1">
-            <a:off x="5775205" y="2829928"/>
+            <a:off x="5775205" y="2731316"/>
             <a:ext cx="1293724" cy="1064659"/>
           </a:xfrm>
           <a:prstGeom prst="straightConnector1">
@@ -26550,7 +26543,7 @@
         </p:nvCxnSpPr>
         <p:spPr>
           <a:xfrm>
-            <a:off x="4808465" y="3430199"/>
+            <a:off x="4808465" y="3331587"/>
             <a:ext cx="4032581" cy="1464309"/>
           </a:xfrm>
           <a:prstGeom prst="straightConnector1">
@@ -26596,7 +26589,7 @@
         </p:nvCxnSpPr>
         <p:spPr>
           <a:xfrm flipV="1">
-            <a:off x="5721866" y="3696248"/>
+            <a:off x="5721866" y="3597636"/>
             <a:ext cx="1347063" cy="762513"/>
           </a:xfrm>
           <a:prstGeom prst="straightConnector1">
@@ -26642,7 +26635,7 @@
         </p:nvCxnSpPr>
         <p:spPr>
           <a:xfrm flipV="1">
-            <a:off x="4808465" y="3269583"/>
+            <a:off x="4808465" y="3170971"/>
             <a:ext cx="3085980" cy="160616"/>
           </a:xfrm>
           <a:prstGeom prst="straightConnector1">
@@ -26684,7 +26677,7 @@
         </p:nvSpPr>
         <p:spPr>
           <a:xfrm>
-            <a:off x="2102690" y="5427781"/>
+            <a:off x="2102690" y="5329169"/>
             <a:ext cx="3062790" cy="596630"/>
           </a:xfrm>
           <a:prstGeom prst="roundRect">
@@ -26820,7 +26813,7 @@
         </p:nvSpPr>
         <p:spPr>
           <a:xfrm>
-            <a:off x="2102690" y="6106069"/>
+            <a:off x="2102690" y="6007457"/>
             <a:ext cx="3062788" cy="596630"/>
           </a:xfrm>
           <a:prstGeom prst="roundRect">
@@ -26963,7 +26956,7 @@
         </p:nvSpPr>
         <p:spPr>
           <a:xfrm>
-            <a:off x="2102690" y="4749244"/>
+            <a:off x="2102690" y="4650632"/>
             <a:ext cx="3062788" cy="596879"/>
           </a:xfrm>
           <a:prstGeom prst="roundRect">
